--- a/Presentacion_redes_neuronales.pptx
+++ b/Presentacion_redes_neuronales.pptx
@@ -4755,7 +4755,7 @@
         <p:spPr>
           <a:xfrm>
             <a:off x="3237105" y="2802151"/>
-            <a:ext cx="5717790" cy="1767150"/>
+            <a:ext cx="5717790" cy="2598147"/>
           </a:xfrm>
           <a:prstGeom prst="rect">
             <a:avLst/>
@@ -4781,7 +4781,7 @@
                 <a:latin typeface="Calibri"/>
                 <a:cs typeface="Calibri"/>
               </a:rPr>
-              <a:t>Redes Neuronales</a:t>
+              <a:t>Redes Neuronales Artificiales</a:t>
             </a:r>
           </a:p>
           <a:p>
@@ -4798,7 +4798,7 @@
                 <a:latin typeface="Calibri"/>
                 <a:cs typeface="Calibri"/>
               </a:rPr>
-              <a:t>12-10-2023</a:t>
+              <a:t>13-10-2023</a:t>
             </a:r>
             <a:endParaRPr lang="es-ES" sz="5400" dirty="0">
               <a:latin typeface="Arial"/>
@@ -5009,18 +5009,7 @@
                 <a:latin typeface="Century Gothic" panose="020B0502020202020204" pitchFamily="34" charset="0"/>
                 <a:ea typeface="Times New Roman" panose="02020603050405020304" pitchFamily="18" charset="0"/>
               </a:rPr>
-              <a:t> </a:t>
-            </a:r>
-            <a:r>
-              <a:rPr lang="es-ES" sz="1800" b="1" dirty="0" err="1">
-                <a:solidFill>
-                  <a:schemeClr val="bg1"/>
-                </a:solidFill>
-                <a:effectLst/>
-                <a:latin typeface="Century Gothic" panose="020B0502020202020204" pitchFamily="34" charset="0"/>
-                <a:ea typeface="Times New Roman" panose="02020603050405020304" pitchFamily="18" charset="0"/>
-              </a:rPr>
-              <a:t>Inzulza</a:t>
+              <a:t> Castro</a:t>
             </a:r>
             <a:endParaRPr lang="es-CL" sz="1800" dirty="0">
               <a:solidFill>
